--- a/mockup/proyecto.pptx
+++ b/mockup/proyecto.pptx
@@ -10,10 +10,9 @@
     <p:sldId id="266" r:id="rId4"/>
     <p:sldId id="260" r:id="rId5"/>
     <p:sldId id="269" r:id="rId6"/>
-    <p:sldId id="268" r:id="rId7"/>
-    <p:sldId id="261" r:id="rId8"/>
-    <p:sldId id="263" r:id="rId9"/>
-    <p:sldId id="264" r:id="rId10"/>
+    <p:sldId id="261" r:id="rId7"/>
+    <p:sldId id="263" r:id="rId8"/>
+    <p:sldId id="264" r:id="rId9"/>
   </p:sldIdLst>
   <p:sldSz cx="12192000" cy="6858000"/>
   <p:notesSz cx="6858000" cy="9144000"/>
@@ -166,7 +165,7 @@
           </a:lstStyle>
           <a:p>
             <a:r>
-              <a:rPr lang="es-ES"/>
+              <a:rPr lang="es-ES" smtClean="0"/>
               <a:t>Haga clic para modificar el estilo de título del patrón</a:t>
             </a:r>
             <a:endParaRPr lang="en-US" dirty="0"/>
@@ -287,7 +286,7 @@
           </a:lstStyle>
           <a:p>
             <a:r>
-              <a:rPr lang="es-ES"/>
+              <a:rPr lang="es-ES" smtClean="0"/>
               <a:t>Haga clic para editar el estilo de subtítulo del patrón</a:t>
             </a:r>
             <a:endParaRPr lang="en-US" dirty="0"/>
@@ -580,7 +579,7 @@
           <a:lstStyle/>
           <a:p>
             <a:r>
-              <a:rPr lang="es-ES"/>
+              <a:rPr lang="es-ES" smtClean="0"/>
               <a:t>Haga clic para modificar el estilo de título del patrón</a:t>
             </a:r>
             <a:endParaRPr lang="en-US" dirty="0"/>
@@ -667,7 +666,7 @@
           </a:lstStyle>
           <a:p>
             <a:r>
-              <a:rPr lang="es-ES"/>
+              <a:rPr lang="es-ES" smtClean="0"/>
               <a:t>Haga clic en el icono para agregar una imagen</a:t>
             </a:r>
             <a:endParaRPr lang="en-US" dirty="0"/>
@@ -724,7 +723,7 @@
           <a:p>
             <a:pPr lvl="0"/>
             <a:r>
-              <a:rPr lang="es-ES"/>
+              <a:rPr lang="es-ES" smtClean="0"/>
               <a:t>Editar el estilo de texto del patrón</a:t>
             </a:r>
           </a:p>
@@ -852,7 +851,7 @@
           </a:lstStyle>
           <a:p>
             <a:r>
-              <a:rPr lang="es-ES"/>
+              <a:rPr lang="es-ES" smtClean="0"/>
               <a:t>Haga clic para modificar el estilo de título del patrón</a:t>
             </a:r>
             <a:endParaRPr lang="en-US" dirty="0"/>
@@ -974,7 +973,7 @@
           <a:p>
             <a:pPr lvl="0"/>
             <a:r>
-              <a:rPr lang="es-ES"/>
+              <a:rPr lang="es-ES" smtClean="0"/>
               <a:t>Editar el estilo de texto del patrón</a:t>
             </a:r>
           </a:p>
@@ -1106,7 +1105,7 @@
           </a:lstStyle>
           <a:p>
             <a:r>
-              <a:rPr lang="es-ES"/>
+              <a:rPr lang="es-ES" smtClean="0"/>
               <a:t>Haga clic para modificar el estilo de título del patrón</a:t>
             </a:r>
             <a:endParaRPr lang="en-US" dirty="0"/>
@@ -1161,7 +1160,7 @@
           <a:p>
             <a:pPr lvl="0"/>
             <a:r>
-              <a:rPr lang="es-ES"/>
+              <a:rPr lang="es-ES" smtClean="0"/>
               <a:t>Editar el estilo de texto del patrón</a:t>
             </a:r>
           </a:p>
@@ -1282,7 +1281,7 @@
           <a:p>
             <a:pPr lvl="0"/>
             <a:r>
-              <a:rPr lang="es-ES"/>
+              <a:rPr lang="es-ES" smtClean="0"/>
               <a:t>Editar el estilo de texto del patrón</a:t>
             </a:r>
           </a:p>
@@ -1478,7 +1477,7 @@
           </a:lstStyle>
           <a:p>
             <a:r>
-              <a:rPr lang="es-ES"/>
+              <a:rPr lang="es-ES" smtClean="0"/>
               <a:t>Haga clic para modificar el estilo de título del patrón</a:t>
             </a:r>
             <a:endParaRPr lang="en-US" dirty="0"/>
@@ -1600,7 +1599,7 @@
           <a:p>
             <a:pPr lvl="0"/>
             <a:r>
-              <a:rPr lang="es-ES"/>
+              <a:rPr lang="es-ES" smtClean="0"/>
               <a:t>Editar el estilo de texto del patrón</a:t>
             </a:r>
           </a:p>
@@ -1732,7 +1731,7 @@
           </a:lstStyle>
           <a:p>
             <a:r>
-              <a:rPr lang="es-ES"/>
+              <a:rPr lang="es-ES" smtClean="0"/>
               <a:t>Haga clic para modificar el estilo de título del patrón</a:t>
             </a:r>
             <a:endParaRPr lang="en-US" dirty="0"/>
@@ -1781,7 +1780,7 @@
               <a:buNone/>
             </a:pPr>
             <a:r>
-              <a:rPr lang="es-ES"/>
+              <a:rPr lang="es-ES" smtClean="0"/>
               <a:t>Editar el estilo de texto del patrón</a:t>
             </a:r>
           </a:p>
@@ -1902,7 +1901,7 @@
           <a:p>
             <a:pPr lvl="0"/>
             <a:r>
-              <a:rPr lang="es-ES"/>
+              <a:rPr lang="es-ES" smtClean="0"/>
               <a:t>Editar el estilo de texto del patrón</a:t>
             </a:r>
           </a:p>
@@ -2099,7 +2098,7 @@
           <a:p>
             <a:pPr marL="0" lvl="0"/>
             <a:r>
-              <a:rPr lang="es-ES"/>
+              <a:rPr lang="es-ES" smtClean="0"/>
               <a:t>Haga clic para modificar el estilo de título del patrón</a:t>
             </a:r>
             <a:endParaRPr lang="en-US" dirty="0"/>
@@ -2148,7 +2147,7 @@
               <a:buNone/>
             </a:pPr>
             <a:r>
-              <a:rPr lang="es-ES"/>
+              <a:rPr lang="es-ES" smtClean="0"/>
               <a:t>Editar el estilo de texto del patrón</a:t>
             </a:r>
           </a:p>
@@ -2269,7 +2268,7 @@
           <a:p>
             <a:pPr lvl="0"/>
             <a:r>
-              <a:rPr lang="es-ES"/>
+              <a:rPr lang="es-ES" smtClean="0"/>
               <a:t>Editar el estilo de texto del patrón</a:t>
             </a:r>
           </a:p>
@@ -2390,7 +2389,7 @@
           </a:lstStyle>
           <a:p>
             <a:r>
-              <a:rPr lang="es-ES"/>
+              <a:rPr lang="es-ES" smtClean="0"/>
               <a:t>Haga clic para modificar el estilo de título del patrón</a:t>
             </a:r>
             <a:endParaRPr lang="en-US" dirty="0"/>
@@ -2414,35 +2413,35 @@
           <a:p>
             <a:pPr lvl="0"/>
             <a:r>
-              <a:rPr lang="es-ES"/>
+              <a:rPr lang="es-ES" smtClean="0"/>
               <a:t>Editar el estilo de texto del patrón</a:t>
             </a:r>
           </a:p>
           <a:p>
             <a:pPr lvl="1"/>
             <a:r>
-              <a:rPr lang="es-ES"/>
+              <a:rPr lang="es-ES" smtClean="0"/>
               <a:t>Segundo nivel</a:t>
             </a:r>
           </a:p>
           <a:p>
             <a:pPr lvl="2"/>
             <a:r>
-              <a:rPr lang="es-ES"/>
+              <a:rPr lang="es-ES" smtClean="0"/>
               <a:t>Tercer nivel</a:t>
             </a:r>
           </a:p>
           <a:p>
             <a:pPr lvl="3"/>
             <a:r>
-              <a:rPr lang="es-ES"/>
+              <a:rPr lang="es-ES" smtClean="0"/>
               <a:t>Cuarto nivel</a:t>
             </a:r>
           </a:p>
           <a:p>
             <a:pPr lvl="4"/>
             <a:r>
-              <a:rPr lang="es-ES"/>
+              <a:rPr lang="es-ES" smtClean="0"/>
               <a:t>Quinto nivel</a:t>
             </a:r>
             <a:endParaRPr lang="en-US" dirty="0"/>
@@ -2565,7 +2564,7 @@
           <a:lstStyle/>
           <a:p>
             <a:r>
-              <a:rPr lang="es-ES"/>
+              <a:rPr lang="es-ES" smtClean="0"/>
               <a:t>Haga clic para modificar el estilo de título del patrón</a:t>
             </a:r>
             <a:endParaRPr lang="en-US" dirty="0"/>
@@ -2594,35 +2593,35 @@
           <a:p>
             <a:pPr lvl="0"/>
             <a:r>
-              <a:rPr lang="es-ES"/>
+              <a:rPr lang="es-ES" smtClean="0"/>
               <a:t>Editar el estilo de texto del patrón</a:t>
             </a:r>
           </a:p>
           <a:p>
             <a:pPr lvl="1"/>
             <a:r>
-              <a:rPr lang="es-ES"/>
+              <a:rPr lang="es-ES" smtClean="0"/>
               <a:t>Segundo nivel</a:t>
             </a:r>
           </a:p>
           <a:p>
             <a:pPr lvl="2"/>
             <a:r>
-              <a:rPr lang="es-ES"/>
+              <a:rPr lang="es-ES" smtClean="0"/>
               <a:t>Tercer nivel</a:t>
             </a:r>
           </a:p>
           <a:p>
             <a:pPr lvl="3"/>
             <a:r>
-              <a:rPr lang="es-ES"/>
+              <a:rPr lang="es-ES" smtClean="0"/>
               <a:t>Cuarto nivel</a:t>
             </a:r>
           </a:p>
           <a:p>
             <a:pPr lvl="4"/>
             <a:r>
-              <a:rPr lang="es-ES"/>
+              <a:rPr lang="es-ES" smtClean="0"/>
               <a:t>Quinto nivel</a:t>
             </a:r>
             <a:endParaRPr lang="en-US" dirty="0"/>
@@ -2740,7 +2739,7 @@
           <a:lstStyle/>
           <a:p>
             <a:r>
-              <a:rPr lang="es-ES"/>
+              <a:rPr lang="es-ES" smtClean="0"/>
               <a:t>Haga clic para modificar el estilo de título del patrón</a:t>
             </a:r>
             <a:endParaRPr lang="en-US" dirty="0"/>
@@ -2764,35 +2763,35 @@
           <a:p>
             <a:pPr lvl="0"/>
             <a:r>
-              <a:rPr lang="es-ES"/>
+              <a:rPr lang="es-ES" smtClean="0"/>
               <a:t>Editar el estilo de texto del patrón</a:t>
             </a:r>
           </a:p>
           <a:p>
             <a:pPr lvl="1"/>
             <a:r>
-              <a:rPr lang="es-ES"/>
+              <a:rPr lang="es-ES" smtClean="0"/>
               <a:t>Segundo nivel</a:t>
             </a:r>
           </a:p>
           <a:p>
             <a:pPr lvl="2"/>
             <a:r>
-              <a:rPr lang="es-ES"/>
+              <a:rPr lang="es-ES" smtClean="0"/>
               <a:t>Tercer nivel</a:t>
             </a:r>
           </a:p>
           <a:p>
             <a:pPr lvl="3"/>
             <a:r>
-              <a:rPr lang="es-ES"/>
+              <a:rPr lang="es-ES" smtClean="0"/>
               <a:t>Cuarto nivel</a:t>
             </a:r>
           </a:p>
           <a:p>
             <a:pPr lvl="4"/>
             <a:r>
-              <a:rPr lang="es-ES"/>
+              <a:rPr lang="es-ES" smtClean="0"/>
               <a:t>Quinto nivel</a:t>
             </a:r>
             <a:endParaRPr lang="en-US" dirty="0"/>
@@ -2921,7 +2920,7 @@
           </a:lstStyle>
           <a:p>
             <a:r>
-              <a:rPr lang="es-ES"/>
+              <a:rPr lang="es-ES" smtClean="0"/>
               <a:t>Haga clic para modificar el estilo de título del patrón</a:t>
             </a:r>
             <a:endParaRPr lang="en-US" dirty="0"/>
@@ -3043,7 +3042,7 @@
           <a:p>
             <a:pPr lvl="0"/>
             <a:r>
-              <a:rPr lang="es-ES"/>
+              <a:rPr lang="es-ES" smtClean="0"/>
               <a:t>Editar el estilo de texto del patrón</a:t>
             </a:r>
           </a:p>
@@ -3160,7 +3159,7 @@
           <a:lstStyle/>
           <a:p>
             <a:r>
-              <a:rPr lang="es-ES"/>
+              <a:rPr lang="es-ES" smtClean="0"/>
               <a:t>Haga clic para modificar el estilo de título del patrón</a:t>
             </a:r>
             <a:endParaRPr lang="en-US" dirty="0"/>
@@ -3191,35 +3190,35 @@
           <a:p>
             <a:pPr lvl="0"/>
             <a:r>
-              <a:rPr lang="es-ES"/>
+              <a:rPr lang="es-ES" smtClean="0"/>
               <a:t>Editar el estilo de texto del patrón</a:t>
             </a:r>
           </a:p>
           <a:p>
             <a:pPr lvl="1"/>
             <a:r>
-              <a:rPr lang="es-ES"/>
+              <a:rPr lang="es-ES" smtClean="0"/>
               <a:t>Segundo nivel</a:t>
             </a:r>
           </a:p>
           <a:p>
             <a:pPr lvl="2"/>
             <a:r>
-              <a:rPr lang="es-ES"/>
+              <a:rPr lang="es-ES" smtClean="0"/>
               <a:t>Tercer nivel</a:t>
             </a:r>
           </a:p>
           <a:p>
             <a:pPr lvl="3"/>
             <a:r>
-              <a:rPr lang="es-ES"/>
+              <a:rPr lang="es-ES" smtClean="0"/>
               <a:t>Cuarto nivel</a:t>
             </a:r>
           </a:p>
           <a:p>
             <a:pPr lvl="4"/>
             <a:r>
-              <a:rPr lang="es-ES"/>
+              <a:rPr lang="es-ES" smtClean="0"/>
               <a:t>Quinto nivel</a:t>
             </a:r>
             <a:endParaRPr lang="en-US" dirty="0"/>
@@ -3250,35 +3249,35 @@
           <a:p>
             <a:pPr lvl="0"/>
             <a:r>
-              <a:rPr lang="es-ES"/>
+              <a:rPr lang="es-ES" smtClean="0"/>
               <a:t>Editar el estilo de texto del patrón</a:t>
             </a:r>
           </a:p>
           <a:p>
             <a:pPr lvl="1"/>
             <a:r>
-              <a:rPr lang="es-ES"/>
+              <a:rPr lang="es-ES" smtClean="0"/>
               <a:t>Segundo nivel</a:t>
             </a:r>
           </a:p>
           <a:p>
             <a:pPr lvl="2"/>
             <a:r>
-              <a:rPr lang="es-ES"/>
+              <a:rPr lang="es-ES" smtClean="0"/>
               <a:t>Tercer nivel</a:t>
             </a:r>
           </a:p>
           <a:p>
             <a:pPr lvl="3"/>
             <a:r>
-              <a:rPr lang="es-ES"/>
+              <a:rPr lang="es-ES" smtClean="0"/>
               <a:t>Cuarto nivel</a:t>
             </a:r>
           </a:p>
           <a:p>
             <a:pPr lvl="4"/>
             <a:r>
-              <a:rPr lang="es-ES"/>
+              <a:rPr lang="es-ES" smtClean="0"/>
               <a:t>Quinto nivel</a:t>
             </a:r>
             <a:endParaRPr lang="en-US" dirty="0"/>
@@ -3400,7 +3399,7 @@
           </a:lstStyle>
           <a:p>
             <a:r>
-              <a:rPr lang="es-ES"/>
+              <a:rPr lang="es-ES" smtClean="0"/>
               <a:t>Haga clic para modificar el estilo de título del patrón</a:t>
             </a:r>
             <a:endParaRPr lang="en-US" dirty="0"/>
@@ -3472,7 +3471,7 @@
           <a:p>
             <a:pPr lvl="0"/>
             <a:r>
-              <a:rPr lang="es-ES"/>
+              <a:rPr lang="es-ES" smtClean="0"/>
               <a:t>Editar el estilo de texto del patrón</a:t>
             </a:r>
           </a:p>
@@ -3502,35 +3501,35 @@
           <a:p>
             <a:pPr lvl="0"/>
             <a:r>
-              <a:rPr lang="es-ES"/>
+              <a:rPr lang="es-ES" smtClean="0"/>
               <a:t>Editar el estilo de texto del patrón</a:t>
             </a:r>
           </a:p>
           <a:p>
             <a:pPr lvl="1"/>
             <a:r>
-              <a:rPr lang="es-ES"/>
+              <a:rPr lang="es-ES" smtClean="0"/>
               <a:t>Segundo nivel</a:t>
             </a:r>
           </a:p>
           <a:p>
             <a:pPr lvl="2"/>
             <a:r>
-              <a:rPr lang="es-ES"/>
+              <a:rPr lang="es-ES" smtClean="0"/>
               <a:t>Tercer nivel</a:t>
             </a:r>
           </a:p>
           <a:p>
             <a:pPr lvl="3"/>
             <a:r>
-              <a:rPr lang="es-ES"/>
+              <a:rPr lang="es-ES" smtClean="0"/>
               <a:t>Cuarto nivel</a:t>
             </a:r>
           </a:p>
           <a:p>
             <a:pPr lvl="4"/>
             <a:r>
-              <a:rPr lang="es-ES"/>
+              <a:rPr lang="es-ES" smtClean="0"/>
               <a:t>Quinto nivel</a:t>
             </a:r>
             <a:endParaRPr lang="en-US" dirty="0"/>
@@ -3602,7 +3601,7 @@
           <a:p>
             <a:pPr lvl="0"/>
             <a:r>
-              <a:rPr lang="es-ES"/>
+              <a:rPr lang="es-ES" smtClean="0"/>
               <a:t>Editar el estilo de texto del patrón</a:t>
             </a:r>
           </a:p>
@@ -3632,35 +3631,35 @@
           <a:p>
             <a:pPr lvl="0"/>
             <a:r>
-              <a:rPr lang="es-ES"/>
+              <a:rPr lang="es-ES" smtClean="0"/>
               <a:t>Editar el estilo de texto del patrón</a:t>
             </a:r>
           </a:p>
           <a:p>
             <a:pPr lvl="1"/>
             <a:r>
-              <a:rPr lang="es-ES"/>
+              <a:rPr lang="es-ES" smtClean="0"/>
               <a:t>Segundo nivel</a:t>
             </a:r>
           </a:p>
           <a:p>
             <a:pPr lvl="2"/>
             <a:r>
-              <a:rPr lang="es-ES"/>
+              <a:rPr lang="es-ES" smtClean="0"/>
               <a:t>Tercer nivel</a:t>
             </a:r>
           </a:p>
           <a:p>
             <a:pPr lvl="3"/>
             <a:r>
-              <a:rPr lang="es-ES"/>
+              <a:rPr lang="es-ES" smtClean="0"/>
               <a:t>Cuarto nivel</a:t>
             </a:r>
           </a:p>
           <a:p>
             <a:pPr lvl="4"/>
             <a:r>
-              <a:rPr lang="es-ES"/>
+              <a:rPr lang="es-ES" smtClean="0"/>
               <a:t>Quinto nivel</a:t>
             </a:r>
             <a:endParaRPr lang="en-US" dirty="0"/>
@@ -3778,7 +3777,7 @@
           <a:lstStyle/>
           <a:p>
             <a:r>
-              <a:rPr lang="es-ES"/>
+              <a:rPr lang="es-ES" smtClean="0"/>
               <a:t>Haga clic para modificar el estilo de título del patrón</a:t>
             </a:r>
             <a:endParaRPr lang="en-US" dirty="0"/>
@@ -4002,7 +4001,7 @@
           </a:lstStyle>
           <a:p>
             <a:r>
-              <a:rPr lang="es-ES"/>
+              <a:rPr lang="es-ES" smtClean="0"/>
               <a:t>Haga clic para modificar el estilo de título del patrón</a:t>
             </a:r>
             <a:endParaRPr lang="en-US" dirty="0"/>
@@ -4033,35 +4032,35 @@
           <a:p>
             <a:pPr lvl="0"/>
             <a:r>
-              <a:rPr lang="es-ES"/>
+              <a:rPr lang="es-ES" smtClean="0"/>
               <a:t>Editar el estilo de texto del patrón</a:t>
             </a:r>
           </a:p>
           <a:p>
             <a:pPr lvl="1"/>
             <a:r>
-              <a:rPr lang="es-ES"/>
+              <a:rPr lang="es-ES" smtClean="0"/>
               <a:t>Segundo nivel</a:t>
             </a:r>
           </a:p>
           <a:p>
             <a:pPr lvl="2"/>
             <a:r>
-              <a:rPr lang="es-ES"/>
+              <a:rPr lang="es-ES" smtClean="0"/>
               <a:t>Tercer nivel</a:t>
             </a:r>
           </a:p>
           <a:p>
             <a:pPr lvl="3"/>
             <a:r>
-              <a:rPr lang="es-ES"/>
+              <a:rPr lang="es-ES" smtClean="0"/>
               <a:t>Cuarto nivel</a:t>
             </a:r>
           </a:p>
           <a:p>
             <a:pPr lvl="4"/>
             <a:r>
-              <a:rPr lang="es-ES"/>
+              <a:rPr lang="es-ES" smtClean="0"/>
               <a:t>Quinto nivel</a:t>
             </a:r>
             <a:endParaRPr lang="en-US" dirty="0"/>
@@ -4129,7 +4128,7 @@
           <a:p>
             <a:pPr lvl="0"/>
             <a:r>
-              <a:rPr lang="es-ES"/>
+              <a:rPr lang="es-ES" smtClean="0"/>
               <a:t>Editar el estilo de texto del patrón</a:t>
             </a:r>
           </a:p>
@@ -4257,7 +4256,7 @@
           </a:lstStyle>
           <a:p>
             <a:r>
-              <a:rPr lang="es-ES"/>
+              <a:rPr lang="es-ES" smtClean="0"/>
               <a:t>Haga clic para modificar el estilo de título del patrón</a:t>
             </a:r>
             <a:endParaRPr lang="en-US" dirty="0"/>
@@ -4344,7 +4343,7 @@
           </a:lstStyle>
           <a:p>
             <a:r>
-              <a:rPr lang="es-ES"/>
+              <a:rPr lang="es-ES" smtClean="0"/>
               <a:t>Haga clic en el icono para agregar una imagen</a:t>
             </a:r>
             <a:endParaRPr lang="en-US" dirty="0"/>
@@ -4412,7 +4411,7 @@
           <a:p>
             <a:pPr lvl="0"/>
             <a:r>
-              <a:rPr lang="es-ES"/>
+              <a:rPr lang="es-ES" smtClean="0"/>
               <a:t>Editar el estilo de texto del patrón</a:t>
             </a:r>
           </a:p>
@@ -4735,7 +4734,7 @@
           <a:lstStyle/>
           <a:p>
             <a:r>
-              <a:rPr lang="es-ES"/>
+              <a:rPr lang="es-ES" smtClean="0"/>
               <a:t>Haga clic para modificar el estilo de título del patrón</a:t>
             </a:r>
             <a:endParaRPr lang="en-US" dirty="0"/>
@@ -4769,35 +4768,35 @@
           <a:p>
             <a:pPr lvl="0"/>
             <a:r>
-              <a:rPr lang="es-ES"/>
+              <a:rPr lang="es-ES" smtClean="0"/>
               <a:t>Editar el estilo de texto del patrón</a:t>
             </a:r>
           </a:p>
           <a:p>
             <a:pPr lvl="1"/>
             <a:r>
-              <a:rPr lang="es-ES"/>
+              <a:rPr lang="es-ES" smtClean="0"/>
               <a:t>Segundo nivel</a:t>
             </a:r>
           </a:p>
           <a:p>
             <a:pPr lvl="2"/>
             <a:r>
-              <a:rPr lang="es-ES"/>
+              <a:rPr lang="es-ES" smtClean="0"/>
               <a:t>Tercer nivel</a:t>
             </a:r>
           </a:p>
           <a:p>
             <a:pPr lvl="3"/>
             <a:r>
-              <a:rPr lang="es-ES"/>
+              <a:rPr lang="es-ES" smtClean="0"/>
               <a:t>Cuarto nivel</a:t>
             </a:r>
           </a:p>
           <a:p>
             <a:pPr lvl="4"/>
             <a:r>
-              <a:rPr lang="es-ES"/>
+              <a:rPr lang="es-ES" smtClean="0"/>
               <a:t>Quinto nivel</a:t>
             </a:r>
             <a:endParaRPr lang="en-US" dirty="0"/>
@@ -5436,6 +5435,13 @@
   <p:clrMapOvr>
     <a:masterClrMapping/>
   </p:clrMapOvr>
+  <p:timing>
+    <p:tnLst>
+      <p:par>
+        <p:cTn id="1" dur="indefinite" restart="never" nodeType="tmRoot"/>
+      </p:par>
+    </p:tnLst>
+  </p:timing>
 </p:sld>
 </file>
 
@@ -5458,7 +5464,7 @@
       </p:grpSpPr>
       <p:pic>
         <p:nvPicPr>
-          <p:cNvPr id="4" name="Imagen 3"/>
+          <p:cNvPr id="2" name="Imagen 1"/>
           <p:cNvPicPr>
             <a:picLocks noChangeAspect="1"/>
           </p:cNvPicPr>
@@ -5466,13 +5472,13 @@
         </p:nvPicPr>
         <p:blipFill rotWithShape="1">
           <a:blip r:embed="rId2"/>
-          <a:srcRect r="1192"/>
+          <a:srcRect l="990" t="96"/>
           <a:stretch/>
         </p:blipFill>
         <p:spPr>
           <a:xfrm>
-            <a:off x="1736204" y="250908"/>
-            <a:ext cx="8333772" cy="6134748"/>
+            <a:off x="1925515" y="290148"/>
+            <a:ext cx="7974098" cy="6055498"/>
           </a:xfrm>
           <a:prstGeom prst="roundRect">
             <a:avLst>
@@ -5515,6 +5521,13 @@
   <p:clrMapOvr>
     <a:masterClrMapping/>
   </p:clrMapOvr>
+  <p:timing>
+    <p:tnLst>
+      <p:par>
+        <p:cTn id="1" dur="indefinite" restart="never" nodeType="tmRoot"/>
+      </p:par>
+    </p:tnLst>
+  </p:timing>
 </p:sld>
 </file>
 
@@ -5537,7 +5550,7 @@
       </p:grpSpPr>
       <p:pic>
         <p:nvPicPr>
-          <p:cNvPr id="2" name="Imagen 1"/>
+          <p:cNvPr id="3" name="Imagen 2"/>
           <p:cNvPicPr>
             <a:picLocks noChangeAspect="1"/>
           </p:cNvPicPr>
@@ -5545,13 +5558,13 @@
         </p:nvPicPr>
         <p:blipFill rotWithShape="1">
           <a:blip r:embed="rId2"/>
-          <a:srcRect l="1505" r="1295" b="3521"/>
+          <a:srcRect t="2260"/>
           <a:stretch/>
         </p:blipFill>
         <p:spPr>
           <a:xfrm>
-            <a:off x="1643605" y="292462"/>
-            <a:ext cx="8218026" cy="6062039"/>
+            <a:off x="2452179" y="763929"/>
+            <a:ext cx="7287642" cy="5456285"/>
           </a:xfrm>
           <a:prstGeom prst="roundRect">
             <a:avLst>
@@ -5594,6 +5607,13 @@
   <p:clrMapOvr>
     <a:masterClrMapping/>
   </p:clrMapOvr>
+  <p:timing>
+    <p:tnLst>
+      <p:par>
+        <p:cTn id="1" dur="indefinite" restart="never" nodeType="tmRoot"/>
+      </p:par>
+    </p:tnLst>
+  </p:timing>
 </p:sld>
 </file>
 
@@ -5673,6 +5693,13 @@
   <p:clrMapOvr>
     <a:masterClrMapping/>
   </p:clrMapOvr>
+  <p:timing>
+    <p:tnLst>
+      <p:par>
+        <p:cTn id="1" dur="indefinite" restart="never" nodeType="tmRoot"/>
+      </p:par>
+    </p:tnLst>
+  </p:timing>
 </p:sld>
 </file>
 
@@ -5681,13 +5708,7 @@
   <p:cSld>
     <p:spTree>
       <p:nvGrpSpPr>
-        <p:cNvPr id="1" name="">
-          <a:extLst>
-            <a:ext uri="{FF2B5EF4-FFF2-40B4-BE49-F238E27FC236}">
-              <a16:creationId xmlns:a16="http://schemas.microsoft.com/office/drawing/2014/main" id="{3A34FB8F-8076-1799-91C5-85221A5C81BF}"/>
-            </a:ext>
-          </a:extLst>
-        </p:cNvPr>
+        <p:cNvPr id="1" name=""/>
         <p:cNvGrpSpPr/>
         <p:nvPr/>
       </p:nvGrpSpPr>
@@ -5701,13 +5722,7 @@
       </p:grpSpPr>
       <p:pic>
         <p:nvPicPr>
-          <p:cNvPr id="2" name="Imagen 1">
-            <a:extLst>
-              <a:ext uri="{FF2B5EF4-FFF2-40B4-BE49-F238E27FC236}">
-                <a16:creationId xmlns:a16="http://schemas.microsoft.com/office/drawing/2014/main" id="{D862A149-CA74-D1A0-56D0-68607360E831}"/>
-              </a:ext>
-            </a:extLst>
-          </p:cNvPr>
+          <p:cNvPr id="2" name="Imagen 1"/>
           <p:cNvPicPr>
             <a:picLocks noChangeAspect="1"/>
           </p:cNvPicPr>
@@ -5715,13 +5730,13 @@
         </p:nvPicPr>
         <p:blipFill rotWithShape="1">
           <a:blip r:embed="rId2"/>
-          <a:srcRect l="1505" r="1295" b="3521"/>
+          <a:srcRect l="1357" t="1849" b="4253"/>
           <a:stretch/>
         </p:blipFill>
         <p:spPr>
           <a:xfrm>
-            <a:off x="1643605" y="292462"/>
-            <a:ext cx="8218026" cy="6062039"/>
+            <a:off x="2233914" y="763929"/>
+            <a:ext cx="7339048" cy="5197033"/>
           </a:xfrm>
           <a:prstGeom prst="roundRect">
             <a:avLst>
@@ -5757,96 +5772,24 @@
     </p:spTree>
     <p:extLst>
       <p:ext uri="{BB962C8B-B14F-4D97-AF65-F5344CB8AC3E}">
-        <p14:creationId xmlns:p14="http://schemas.microsoft.com/office/powerpoint/2010/main" val="907858481"/>
+        <p14:creationId xmlns:p14="http://schemas.microsoft.com/office/powerpoint/2010/main" val="3286497930"/>
       </p:ext>
     </p:extLst>
   </p:cSld>
   <p:clrMapOvr>
     <a:masterClrMapping/>
   </p:clrMapOvr>
+  <p:timing>
+    <p:tnLst>
+      <p:par>
+        <p:cTn id="1" dur="indefinite" restart="never" nodeType="tmRoot"/>
+      </p:par>
+    </p:tnLst>
+  </p:timing>
 </p:sld>
 </file>
 
 <file path=ppt/slides/slide6.xml><?xml version="1.0" encoding="utf-8"?>
-<p:sld xmlns:a="http://schemas.openxmlformats.org/drawingml/2006/main" xmlns:r="http://schemas.openxmlformats.org/officeDocument/2006/relationships" xmlns:p="http://schemas.openxmlformats.org/presentationml/2006/main">
-  <p:cSld>
-    <p:spTree>
-      <p:nvGrpSpPr>
-        <p:cNvPr id="1" name=""/>
-        <p:cNvGrpSpPr/>
-        <p:nvPr/>
-      </p:nvGrpSpPr>
-      <p:grpSpPr>
-        <a:xfrm>
-          <a:off x="0" y="0"/>
-          <a:ext cx="0" cy="0"/>
-          <a:chOff x="0" y="0"/>
-          <a:chExt cx="0" cy="0"/>
-        </a:xfrm>
-      </p:grpSpPr>
-      <p:pic>
-        <p:nvPicPr>
-          <p:cNvPr id="4" name="Imagen 3"/>
-          <p:cNvPicPr>
-            <a:picLocks noChangeAspect="1"/>
-          </p:cNvPicPr>
-          <p:nvPr/>
-        </p:nvPicPr>
-        <p:blipFill rotWithShape="1">
-          <a:blip r:embed="rId2"/>
-          <a:srcRect l="1266" r="1059"/>
-          <a:stretch/>
-        </p:blipFill>
-        <p:spPr>
-          <a:xfrm>
-            <a:off x="1585731" y="259859"/>
-            <a:ext cx="8252749" cy="6076279"/>
-          </a:xfrm>
-          <a:prstGeom prst="roundRect">
-            <a:avLst>
-              <a:gd name="adj" fmla="val 4167"/>
-            </a:avLst>
-          </a:prstGeom>
-          <a:solidFill>
-            <a:srgbClr val="FFFFFF"/>
-          </a:solidFill>
-          <a:ln w="76200" cap="sq">
-            <a:solidFill>
-              <a:srgbClr val="EAEAEA"/>
-            </a:solidFill>
-            <a:miter lim="800000"/>
-          </a:ln>
-          <a:effectLst>
-            <a:reflection blurRad="12700" stA="33000" endPos="28000" dist="5000" dir="5400000" sy="-100000" algn="bl" rotWithShape="0"/>
-          </a:effectLst>
-          <a:scene3d>
-            <a:camera prst="orthographicFront"/>
-            <a:lightRig rig="threePt" dir="t">
-              <a:rot lat="0" lon="0" rev="2700000"/>
-            </a:lightRig>
-          </a:scene3d>
-          <a:sp3d contourW="6350">
-            <a:bevelT h="38100"/>
-            <a:contourClr>
-              <a:srgbClr val="C0C0C0"/>
-            </a:contourClr>
-          </a:sp3d>
-        </p:spPr>
-      </p:pic>
-    </p:spTree>
-    <p:extLst>
-      <p:ext uri="{BB962C8B-B14F-4D97-AF65-F5344CB8AC3E}">
-        <p14:creationId xmlns:p14="http://schemas.microsoft.com/office/powerpoint/2010/main" val="2298819189"/>
-      </p:ext>
-    </p:extLst>
-  </p:cSld>
-  <p:clrMapOvr>
-    <a:masterClrMapping/>
-  </p:clrMapOvr>
-</p:sld>
-</file>
-
-<file path=ppt/slides/slide7.xml><?xml version="1.0" encoding="utf-8"?>
 <p:sld xmlns:a="http://schemas.openxmlformats.org/drawingml/2006/main" xmlns:r="http://schemas.openxmlformats.org/officeDocument/2006/relationships" xmlns:p="http://schemas.openxmlformats.org/presentationml/2006/main">
   <p:cSld>
     <p:spTree>
@@ -5925,7 +5868,7 @@
 </p:sld>
 </file>
 
-<file path=ppt/slides/slide8.xml><?xml version="1.0" encoding="utf-8"?>
+<file path=ppt/slides/slide7.xml><?xml version="1.0" encoding="utf-8"?>
 <p:sld xmlns:a="http://schemas.openxmlformats.org/drawingml/2006/main" xmlns:r="http://schemas.openxmlformats.org/officeDocument/2006/relationships" xmlns:p="http://schemas.openxmlformats.org/presentationml/2006/main">
   <p:cSld>
     <p:spTree>
@@ -6004,7 +5947,7 @@
 </p:sld>
 </file>
 
-<file path=ppt/slides/slide9.xml><?xml version="1.0" encoding="utf-8"?>
+<file path=ppt/slides/slide8.xml><?xml version="1.0" encoding="utf-8"?>
 <p:sld xmlns:a="http://schemas.openxmlformats.org/drawingml/2006/main" xmlns:r="http://schemas.openxmlformats.org/officeDocument/2006/relationships" xmlns:p="http://schemas.openxmlformats.org/presentationml/2006/main">
   <p:cSld>
     <p:spTree>
